--- a/Semesterprojekt Physik Engines/OverviewExperiment.pptx
+++ b/Semesterprojekt Physik Engines/OverviewExperiment.pptx
@@ -107,6 +107,11 @@
       </a:defRPr>
     </a:lvl9pPr>
   </p:defaultTextStyle>
+  <p:extLst>
+    <p:ext uri="{EFAFB233-063F-42B5-8137-9DF3F51BA10A}">
+      <p15:sldGuideLst xmlns:p15="http://schemas.microsoft.com/office/powerpoint/2012/main"/>
+    </p:ext>
+  </p:extLst>
 </p:presentation>
 </file>
 
@@ -259,7 +264,7 @@
           <a:p>
             <a:fld id="{97B3E84D-CD68-47A1-9303-F7623478E3FA}" type="datetimeFigureOut">
               <a:rPr lang="en-GB" smtClean="0"/>
-              <a:t>20/04/2023</a:t>
+              <a:t>21/04/2023</a:t>
             </a:fld>
             <a:endParaRPr lang="en-GB"/>
           </a:p>
@@ -459,7 +464,7 @@
           <a:p>
             <a:fld id="{97B3E84D-CD68-47A1-9303-F7623478E3FA}" type="datetimeFigureOut">
               <a:rPr lang="en-GB" smtClean="0"/>
-              <a:t>20/04/2023</a:t>
+              <a:t>21/04/2023</a:t>
             </a:fld>
             <a:endParaRPr lang="en-GB"/>
           </a:p>
@@ -669,7 +674,7 @@
           <a:p>
             <a:fld id="{97B3E84D-CD68-47A1-9303-F7623478E3FA}" type="datetimeFigureOut">
               <a:rPr lang="en-GB" smtClean="0"/>
-              <a:t>20/04/2023</a:t>
+              <a:t>21/04/2023</a:t>
             </a:fld>
             <a:endParaRPr lang="en-GB"/>
           </a:p>
@@ -869,7 +874,7 @@
           <a:p>
             <a:fld id="{97B3E84D-CD68-47A1-9303-F7623478E3FA}" type="datetimeFigureOut">
               <a:rPr lang="en-GB" smtClean="0"/>
-              <a:t>20/04/2023</a:t>
+              <a:t>21/04/2023</a:t>
             </a:fld>
             <a:endParaRPr lang="en-GB"/>
           </a:p>
@@ -1145,7 +1150,7 @@
           <a:p>
             <a:fld id="{97B3E84D-CD68-47A1-9303-F7623478E3FA}" type="datetimeFigureOut">
               <a:rPr lang="en-GB" smtClean="0"/>
-              <a:t>20/04/2023</a:t>
+              <a:t>21/04/2023</a:t>
             </a:fld>
             <a:endParaRPr lang="en-GB"/>
           </a:p>
@@ -1413,7 +1418,7 @@
           <a:p>
             <a:fld id="{97B3E84D-CD68-47A1-9303-F7623478E3FA}" type="datetimeFigureOut">
               <a:rPr lang="en-GB" smtClean="0"/>
-              <a:t>20/04/2023</a:t>
+              <a:t>21/04/2023</a:t>
             </a:fld>
             <a:endParaRPr lang="en-GB"/>
           </a:p>
@@ -1828,7 +1833,7 @@
           <a:p>
             <a:fld id="{97B3E84D-CD68-47A1-9303-F7623478E3FA}" type="datetimeFigureOut">
               <a:rPr lang="en-GB" smtClean="0"/>
-              <a:t>20/04/2023</a:t>
+              <a:t>21/04/2023</a:t>
             </a:fld>
             <a:endParaRPr lang="en-GB"/>
           </a:p>
@@ -1970,7 +1975,7 @@
           <a:p>
             <a:fld id="{97B3E84D-CD68-47A1-9303-F7623478E3FA}" type="datetimeFigureOut">
               <a:rPr lang="en-GB" smtClean="0"/>
-              <a:t>20/04/2023</a:t>
+              <a:t>21/04/2023</a:t>
             </a:fld>
             <a:endParaRPr lang="en-GB"/>
           </a:p>
@@ -2083,7 +2088,7 @@
           <a:p>
             <a:fld id="{97B3E84D-CD68-47A1-9303-F7623478E3FA}" type="datetimeFigureOut">
               <a:rPr lang="en-GB" smtClean="0"/>
-              <a:t>20/04/2023</a:t>
+              <a:t>21/04/2023</a:t>
             </a:fld>
             <a:endParaRPr lang="en-GB"/>
           </a:p>
@@ -2396,7 +2401,7 @@
           <a:p>
             <a:fld id="{97B3E84D-CD68-47A1-9303-F7623478E3FA}" type="datetimeFigureOut">
               <a:rPr lang="en-GB" smtClean="0"/>
-              <a:t>20/04/2023</a:t>
+              <a:t>21/04/2023</a:t>
             </a:fld>
             <a:endParaRPr lang="en-GB"/>
           </a:p>
@@ -2685,7 +2690,7 @@
           <a:p>
             <a:fld id="{97B3E84D-CD68-47A1-9303-F7623478E3FA}" type="datetimeFigureOut">
               <a:rPr lang="en-GB" smtClean="0"/>
-              <a:t>20/04/2023</a:t>
+              <a:t>21/04/2023</a:t>
             </a:fld>
             <a:endParaRPr lang="en-GB"/>
           </a:p>
@@ -2928,7 +2933,7 @@
           <a:p>
             <a:fld id="{97B3E84D-CD68-47A1-9303-F7623478E3FA}" type="datetimeFigureOut">
               <a:rPr lang="en-GB" smtClean="0"/>
-              <a:t>20/04/2023</a:t>
+              <a:t>21/04/2023</a:t>
             </a:fld>
             <a:endParaRPr lang="en-GB"/>
           </a:p>
@@ -4055,7 +4060,7 @@
           <a:prstGeom prst="line">
             <a:avLst/>
           </a:prstGeom>
-          <a:ln w="15875">
+          <a:ln w="31750">
             <a:solidFill>
               <a:schemeClr val="tx1"/>
             </a:solidFill>

--- a/Semesterprojekt Physik Engines/OverviewExperiment.pptx
+++ b/Semesterprojekt Physik Engines/OverviewExperiment.pptx
@@ -3705,52 +3705,6 @@
       </p:cxnSp>
       <p:cxnSp>
         <p:nvCxnSpPr>
-          <p:cNvPr id="9" name="Gerade Verbindung mit Pfeil 8">
-            <a:extLst>
-              <a:ext uri="{FF2B5EF4-FFF2-40B4-BE49-F238E27FC236}">
-                <a16:creationId xmlns:a16="http://schemas.microsoft.com/office/drawing/2014/main" id="{3B8B8A74-0E76-FF03-BC34-0E427F0EE067}"/>
-              </a:ext>
-            </a:extLst>
-          </p:cNvPr>
-          <p:cNvCxnSpPr>
-            <a:cxnSpLocks/>
-          </p:cNvCxnSpPr>
-          <p:nvPr/>
-        </p:nvCxnSpPr>
-        <p:spPr>
-          <a:xfrm flipH="1">
-            <a:off x="2368550" y="4305300"/>
-            <a:ext cx="360000" cy="0"/>
-          </a:xfrm>
-          <a:prstGeom prst="straightConnector1">
-            <a:avLst/>
-          </a:prstGeom>
-          <a:ln w="63500">
-            <a:solidFill>
-              <a:schemeClr val="accent1">
-                <a:lumMod val="75000"/>
-              </a:schemeClr>
-            </a:solidFill>
-            <a:tailEnd type="triangle"/>
-          </a:ln>
-        </p:spPr>
-        <p:style>
-          <a:lnRef idx="1">
-            <a:schemeClr val="accent1"/>
-          </a:lnRef>
-          <a:fillRef idx="0">
-            <a:schemeClr val="accent1"/>
-          </a:fillRef>
-          <a:effectRef idx="0">
-            <a:schemeClr val="accent1"/>
-          </a:effectRef>
-          <a:fontRef idx="minor">
-            <a:schemeClr val="tx1"/>
-          </a:fontRef>
-        </p:style>
-      </p:cxnSp>
-      <p:cxnSp>
-        <p:nvCxnSpPr>
           <p:cNvPr id="11" name="Gerade Verbindung mit Pfeil 10">
             <a:extLst>
               <a:ext uri="{FF2B5EF4-FFF2-40B4-BE49-F238E27FC236}">
@@ -4064,6 +4018,96 @@
             <a:solidFill>
               <a:schemeClr val="tx1"/>
             </a:solidFill>
+          </a:ln>
+        </p:spPr>
+        <p:style>
+          <a:lnRef idx="1">
+            <a:schemeClr val="accent1"/>
+          </a:lnRef>
+          <a:fillRef idx="0">
+            <a:schemeClr val="accent1"/>
+          </a:fillRef>
+          <a:effectRef idx="0">
+            <a:schemeClr val="accent1"/>
+          </a:effectRef>
+          <a:fontRef idx="minor">
+            <a:schemeClr val="tx1"/>
+          </a:fontRef>
+        </p:style>
+      </p:cxnSp>
+      <p:pic>
+        <p:nvPicPr>
+          <p:cNvPr id="8" name="Grafik 7" descr="Ein Bild, das Text enthält.&#10;&#10;Automatisch generierte Beschreibung">
+            <a:extLst>
+              <a:ext uri="{FF2B5EF4-FFF2-40B4-BE49-F238E27FC236}">
+                <a16:creationId xmlns:a16="http://schemas.microsoft.com/office/drawing/2014/main" id="{4636CE5E-AE11-743E-BC59-79641FC8A9F5}"/>
+              </a:ext>
+            </a:extLst>
+          </p:cNvPr>
+          <p:cNvPicPr>
+            <a:picLocks noChangeAspect="1"/>
+          </p:cNvPicPr>
+          <p:nvPr/>
+        </p:nvPicPr>
+        <p:blipFill rotWithShape="1">
+          <a:blip r:embed="rId5">
+            <a:extLst>
+              <a:ext uri="{BEBA8EAE-BF5A-486C-A8C5-ECC9F3942E4B}">
+                <a14:imgProps xmlns:a14="http://schemas.microsoft.com/office/drawing/2010/main">
+                  <a14:imgLayer r:embed="rId6">
+                    <a14:imgEffect>
+                      <a14:brightnessContrast bright="-20000" contrast="-40000"/>
+                    </a14:imgEffect>
+                  </a14:imgLayer>
+                </a14:imgProps>
+              </a:ext>
+              <a:ext uri="{28A0092B-C50C-407E-A947-70E740481C1C}">
+                <a14:useLocalDpi xmlns:a14="http://schemas.microsoft.com/office/drawing/2010/main" val="0"/>
+              </a:ext>
+            </a:extLst>
+          </a:blip>
+          <a:srcRect l="15286" t="22759" r="18424" b="25995"/>
+          <a:stretch/>
+        </p:blipFill>
+        <p:spPr>
+          <a:xfrm>
+            <a:off x="1963528" y="3910965"/>
+            <a:ext cx="758711" cy="747427"/>
+          </a:xfrm>
+          <a:prstGeom prst="rect">
+            <a:avLst/>
+          </a:prstGeom>
+        </p:spPr>
+      </p:pic>
+      <p:cxnSp>
+        <p:nvCxnSpPr>
+          <p:cNvPr id="9" name="Gerade Verbindung mit Pfeil 8">
+            <a:extLst>
+              <a:ext uri="{FF2B5EF4-FFF2-40B4-BE49-F238E27FC236}">
+                <a16:creationId xmlns:a16="http://schemas.microsoft.com/office/drawing/2014/main" id="{3B8B8A74-0E76-FF03-BC34-0E427F0EE067}"/>
+              </a:ext>
+            </a:extLst>
+          </p:cNvPr>
+          <p:cNvCxnSpPr>
+            <a:cxnSpLocks/>
+          </p:cNvCxnSpPr>
+          <p:nvPr/>
+        </p:nvCxnSpPr>
+        <p:spPr>
+          <a:xfrm flipH="1">
+            <a:off x="2362239" y="4307949"/>
+            <a:ext cx="360000" cy="0"/>
+          </a:xfrm>
+          <a:prstGeom prst="straightConnector1">
+            <a:avLst/>
+          </a:prstGeom>
+          <a:ln w="63500">
+            <a:solidFill>
+              <a:schemeClr val="accent1">
+                <a:lumMod val="75000"/>
+              </a:schemeClr>
+            </a:solidFill>
+            <a:tailEnd type="triangle"/>
           </a:ln>
         </p:spPr>
         <p:style>
